--- a/邏輯模型/廣告營銷邏輯模型4.0.pptx
+++ b/邏輯模型/廣告營銷邏輯模型4.0.pptx
@@ -1,6 +1,6 @@
 
 <file path=ppt/presentation.xml><?xml version="1.0" encoding="utf-8"?>
-<p:presentation xmlns:a="http://schemas.openxmlformats.org/drawingml/2006/main" xmlns:r="http://schemas.openxmlformats.org/officeDocument/2006/relationships" xmlns:p="http://schemas.openxmlformats.org/presentationml/2006/main" autoCompressPictures="0">
+<p:presentation xmlns:a="http://schemas.openxmlformats.org/drawingml/2006/main" xmlns:r="http://schemas.openxmlformats.org/officeDocument/2006/relationships" xmlns:p="http://schemas.openxmlformats.org/presentationml/2006/main" saveSubsetFonts="1" autoCompressPictures="0">
   <p:sldMasterIdLst>
     <p:sldMasterId id="2147483648" r:id="rId1"/>
   </p:sldMasterIdLst>
@@ -298,7 +298,7 @@
           <a:p>
             <a:fld id="{1D00F9FB-5080-5E4B-80A0-21AAAFB12036}" type="datetimeFigureOut">
               <a:rPr lang="zh-CN" altLang="en-US"/>
-              <a:t>2017/8/9</a:t>
+              <a:t>2017/8/11</a:t>
             </a:fld>
             <a:endParaRPr lang="zh-CN" altLang="en-US"/>
           </a:p>
@@ -478,7 +478,7 @@
           <a:p>
             <a:fld id="{03C39F2A-8141-9E41-93F6-66191A7DD2D3}" type="datetimeFigureOut">
               <a:rPr lang="zh-CN" altLang="en-US"/>
-              <a:t>2017/8/9</a:t>
+              <a:t>2017/8/11</a:t>
             </a:fld>
             <a:endParaRPr lang="zh-CN" altLang="en-US"/>
           </a:p>
@@ -668,7 +668,7 @@
           <a:p>
             <a:fld id="{A7473D9F-E9B3-2F4C-9816-23AF2F204DDC}" type="datetimeFigureOut">
               <a:rPr lang="zh-CN" altLang="en-US"/>
-              <a:t>2017/8/9</a:t>
+              <a:t>2017/8/11</a:t>
             </a:fld>
             <a:endParaRPr lang="zh-CN" altLang="en-US"/>
           </a:p>
@@ -848,7 +848,7 @@
           <a:p>
             <a:fld id="{989F6407-BF86-914C-ADA6-16EAE3B57F00}" type="datetimeFigureOut">
               <a:rPr lang="zh-CN" altLang="en-US"/>
-              <a:t>2017/8/9</a:t>
+              <a:t>2017/8/11</a:t>
             </a:fld>
             <a:endParaRPr lang="zh-CN" altLang="en-US"/>
           </a:p>
@@ -1050,7 +1050,7 @@
           <a:p>
             <a:fld id="{C2BCB646-4F3B-BA4B-ACCA-2AD81AF17150}" type="datetimeFigureOut">
               <a:rPr lang="zh-CN" altLang="en-US"/>
-              <a:t>2017/8/9</a:t>
+              <a:t>2017/8/11</a:t>
             </a:fld>
             <a:endParaRPr lang="zh-CN" altLang="en-US"/>
           </a:p>
@@ -1292,7 +1292,7 @@
           <a:p>
             <a:fld id="{41CBB42B-5DD5-B04D-9C31-91A4B3359D27}" type="datetimeFigureOut">
               <a:rPr lang="zh-CN" altLang="en-US"/>
-              <a:t>2017/8/9</a:t>
+              <a:t>2017/8/11</a:t>
             </a:fld>
             <a:endParaRPr lang="zh-CN" altLang="en-US"/>
           </a:p>
@@ -1669,7 +1669,7 @@
           <a:p>
             <a:fld id="{76A91C22-BD40-AD4C-AA2D-908C13CBD97F}" type="datetimeFigureOut">
               <a:rPr lang="zh-CN" altLang="en-US"/>
-              <a:t>2017/8/9</a:t>
+              <a:t>2017/8/11</a:t>
             </a:fld>
             <a:endParaRPr lang="zh-CN" altLang="en-US"/>
           </a:p>
@@ -1797,7 +1797,7 @@
           <a:p>
             <a:fld id="{586A406C-4124-A44B-AAB3-E28B03A55918}" type="datetimeFigureOut">
               <a:rPr lang="zh-CN" altLang="en-US"/>
-              <a:t>2017/8/9</a:t>
+              <a:t>2017/8/11</a:t>
             </a:fld>
             <a:endParaRPr lang="zh-CN" altLang="en-US"/>
           </a:p>
@@ -1902,7 +1902,7 @@
           <a:p>
             <a:fld id="{2074CD15-5E46-464B-8D08-BFA93B2436DD}" type="datetimeFigureOut">
               <a:rPr lang="zh-CN" altLang="en-US"/>
-              <a:t>2017/8/9</a:t>
+              <a:t>2017/8/11</a:t>
             </a:fld>
             <a:endParaRPr lang="zh-CN" altLang="en-US"/>
           </a:p>
@@ -2189,7 +2189,7 @@
           <a:p>
             <a:fld id="{5F886CCF-1E31-7A43-A4B1-334391A24759}" type="datetimeFigureOut">
               <a:rPr lang="zh-CN" altLang="en-US"/>
-              <a:t>2017/8/9</a:t>
+              <a:t>2017/8/11</a:t>
             </a:fld>
             <a:endParaRPr lang="zh-CN" altLang="en-US"/>
           </a:p>
@@ -2456,7 +2456,7 @@
           <a:p>
             <a:fld id="{4FCD1256-3E51-E542-9EAF-8455297457F0}" type="datetimeFigureOut">
               <a:rPr lang="zh-CN" altLang="en-US"/>
-              <a:t>2017/8/9</a:t>
+              <a:t>2017/8/11</a:t>
             </a:fld>
             <a:endParaRPr lang="zh-CN" altLang="en-US"/>
           </a:p>
@@ -2740,7 +2740,7 @@
           <a:p>
             <a:fld id="{8008DD98-D290-1944-9E3C-A008DC37D5BB}" type="datetimeFigureOut">
               <a:rPr lang="zh-CN" altLang="en-US"/>
-              <a:t>2017/8/9</a:t>
+              <a:t>2017/8/11</a:t>
             </a:fld>
             <a:endParaRPr lang="zh-CN" altLang="en-US"/>
           </a:p>
@@ -4676,7 +4676,7 @@
           <a:p>
             <a:pPr algn="ctr"/>
             <a:r>
-              <a:rPr lang="zh-TW" altLang="en-US" sz="2100" b="1" smtClean="0">
+              <a:rPr lang="zh-TW" altLang="en-US" sz="2100" b="1" dirty="0" smtClean="0">
                 <a:effectLst>
                   <a:outerShdw blurRad="38100" dist="38100" dir="2700000" algn="tl">
                     <a:srgbClr val="000000">
@@ -4743,7 +4743,7 @@
         </p:nvSpPr>
         <p:spPr>
           <a:xfrm>
-            <a:off x="2068641" y="128368"/>
+            <a:off x="2086397" y="128368"/>
             <a:ext cx="6989634" cy="507831"/>
           </a:xfrm>
           <a:prstGeom prst="rect">
@@ -4868,7 +4868,7 @@
         </p:nvSpPr>
         <p:spPr>
           <a:xfrm>
-            <a:off x="2068641" y="718299"/>
+            <a:off x="2086397" y="718299"/>
             <a:ext cx="6644995" cy="507831"/>
           </a:xfrm>
           <a:prstGeom prst="rect">
@@ -5011,7 +5011,15 @@
                 <a:ea typeface="PMingLiU" charset="-120"/>
                 <a:cs typeface="PMingLiU" charset="-120"/>
               </a:rPr>
-              <a:t>，導致網路資料蒐集與協同工作進度較不順暢。</a:t>
+              <a:t>，導致網路資料蒐集與協同工作進度較不</a:t>
+            </a:r>
+            <a:r>
+              <a:rPr lang="zh-TW" altLang="en-US" sz="1000" dirty="0" smtClean="0">
+                <a:latin typeface="PMingLiU" charset="-120"/>
+                <a:ea typeface="PMingLiU" charset="-120"/>
+                <a:cs typeface="PMingLiU" charset="-120"/>
+              </a:rPr>
+              <a:t>順暢</a:t>
             </a:r>
             <a:endParaRPr lang="en-US" altLang="zh-CN" sz="1000" dirty="0">
               <a:latin typeface="PMingLiU" charset="-120"/>
@@ -5253,7 +5261,7 @@
         <p:spPr>
           <a:xfrm>
             <a:off x="5112284" y="1744805"/>
-            <a:ext cx="1825401" cy="2862322"/>
+            <a:ext cx="1841960" cy="2677656"/>
           </a:xfrm>
           <a:prstGeom prst="rect">
             <a:avLst/>
@@ -5407,15 +5415,7 @@
                 <a:ea typeface="PMingLiU" charset="-120"/>
                 <a:cs typeface="PMingLiU" charset="-120"/>
               </a:rPr>
-              <a:t>每天迭代</a:t>
-            </a:r>
-            <a:r>
-              <a:rPr kumimoji="1" lang="zh-CN" altLang="zh-TW" sz="1200" dirty="0" smtClean="0">
-                <a:latin typeface="PMingLiU" charset="-120"/>
-                <a:ea typeface="PMingLiU" charset="-120"/>
-                <a:cs typeface="PMingLiU" charset="-120"/>
-              </a:rPr>
-              <a:t>版本</a:t>
+              <a:t>每天迭代版本</a:t>
             </a:r>
             <a:endParaRPr kumimoji="1" lang="en-US" altLang="zh-TW" sz="1200" dirty="0" smtClean="0">
               <a:latin typeface="PMingLiU" charset="-120"/>
@@ -5489,8 +5489,8 @@
         </p:nvSpPr>
         <p:spPr>
           <a:xfrm>
-            <a:off x="6977347" y="1693886"/>
-            <a:ext cx="1961896" cy="3379387"/>
+            <a:off x="6977347" y="1729398"/>
+            <a:ext cx="1961896" cy="2899255"/>
           </a:xfrm>
           <a:prstGeom prst="rect">
             <a:avLst/>
@@ -5513,15 +5513,42 @@
                 <a:ea typeface="PMingLiU" panose="02020500000000000000" pitchFamily="18" charset="-120"/>
                 <a:cs typeface="Lantinghei SC Extralight" charset="-122"/>
               </a:rPr>
-              <a:t>網路資料蒐</a:t>
-            </a:r>
-            <a:r>
-              <a:rPr lang="zh-TW" altLang="en-US" sz="1200" dirty="0">
+              <a:t>網路資料</a:t>
+            </a:r>
+            <a:r>
+              <a:rPr lang="zh-TW" altLang="en-US" sz="1200" dirty="0" smtClean="0">
                 <a:latin typeface="PMingLiU" panose="02020500000000000000" pitchFamily="18" charset="-120"/>
                 <a:ea typeface="PMingLiU" panose="02020500000000000000" pitchFamily="18" charset="-120"/>
                 <a:cs typeface="Lantinghei SC Extralight" charset="-122"/>
               </a:rPr>
-              <a:t>集</a:t>
+              <a:t>蒐集</a:t>
+            </a:r>
+            <a:endParaRPr lang="en-US" altLang="zh-TW" sz="1200" dirty="0">
+              <a:latin typeface="PMingLiU" panose="02020500000000000000" pitchFamily="18" charset="-120"/>
+              <a:ea typeface="PMingLiU" panose="02020500000000000000" pitchFamily="18" charset="-120"/>
+              <a:cs typeface="Lantinghei SC Extralight" charset="-122"/>
+            </a:endParaRPr>
+          </a:p>
+          <a:p>
+            <a:pPr marL="285750" indent="-285750">
+              <a:buFont typeface="Arial" panose="020B0604020202020204" pitchFamily="34" charset="0"/>
+              <a:buChar char="•"/>
+            </a:pPr>
+            <a:r>
+              <a:rPr lang="zh-TW" altLang="en-US" sz="1200" dirty="0" smtClean="0">
+                <a:latin typeface="PMingLiU" panose="02020500000000000000" pitchFamily="18" charset="-120"/>
+                <a:ea typeface="PMingLiU" panose="02020500000000000000" pitchFamily="18" charset="-120"/>
+                <a:cs typeface="Lantinghei SC Extralight" charset="-122"/>
+              </a:rPr>
+              <a:t>團隊</a:t>
+            </a:r>
+            <a:r>
+              <a:rPr lang="zh-TW" altLang="en-US" sz="1200" dirty="0" smtClean="0">
+                <a:latin typeface="PMingLiU" panose="02020500000000000000" pitchFamily="18" charset="-120"/>
+                <a:ea typeface="PMingLiU" panose="02020500000000000000" pitchFamily="18" charset="-120"/>
+                <a:cs typeface="Lantinghei SC Extralight" charset="-122"/>
+              </a:rPr>
+              <a:t>分工蒐集彙整報告</a:t>
             </a:r>
             <a:endParaRPr lang="en-US" altLang="zh-CN" sz="1200" dirty="0">
               <a:latin typeface="PMingLiU" panose="02020500000000000000" pitchFamily="18" charset="-120"/>
@@ -5530,10 +5557,7 @@
             </a:endParaRPr>
           </a:p>
           <a:p>
-            <a:pPr marL="471805" lvl="1" indent="-128905">
-              <a:lnSpc>
-                <a:spcPct val="120000"/>
-              </a:lnSpc>
+            <a:pPr marL="285750" indent="-285750">
               <a:buFont typeface="Arial" panose="020B0604020202020204" pitchFamily="34" charset="0"/>
               <a:buChar char="•"/>
             </a:pPr>
@@ -5543,13 +5567,16 @@
                 <a:ea typeface="PMingLiU" panose="02020500000000000000" pitchFamily="18" charset="-120"/>
                 <a:cs typeface="Lantinghei SC Extralight" charset="-122"/>
               </a:rPr>
-              <a:t>團隊分工蒐集彙整報告</a:t>
-            </a:r>
-            <a:endParaRPr lang="en-US" altLang="zh-CN" sz="1200" dirty="0">
-              <a:latin typeface="PMingLiU" panose="02020500000000000000" pitchFamily="18" charset="-120"/>
-              <a:ea typeface="PMingLiU" panose="02020500000000000000" pitchFamily="18" charset="-120"/>
-              <a:cs typeface="Lantinghei SC Extralight" charset="-122"/>
-            </a:endParaRPr>
+              <a:t>課堂學</a:t>
+            </a:r>
+            <a:r>
+              <a:rPr lang="zh-TW" altLang="en-US" sz="1200" dirty="0">
+                <a:latin typeface="PMingLiU" panose="02020500000000000000" pitchFamily="18" charset="-120"/>
+                <a:ea typeface="PMingLiU" panose="02020500000000000000" pitchFamily="18" charset="-120"/>
+                <a:cs typeface="Lantinghei SC Extralight" charset="-122"/>
+              </a:rPr>
+              <a:t>習</a:t>
+            </a:r>
           </a:p>
           <a:p>
             <a:pPr marL="285750" indent="-285750">
@@ -5557,20 +5584,184 @@
               <a:buChar char="•"/>
             </a:pPr>
             <a:r>
+              <a:rPr lang="zh-CN" altLang="zh-TW" sz="1200" dirty="0">
+                <a:latin typeface="PMingLiU" panose="02020500000000000000" pitchFamily="18" charset="-120"/>
+                <a:ea typeface="PMingLiU" panose="02020500000000000000" pitchFamily="18" charset="-120"/>
+                <a:cs typeface="Lantinghei SC Extralight" charset="-122"/>
+              </a:rPr>
+              <a:t>工具使用（</a:t>
+            </a:r>
+            <a:r>
+              <a:rPr lang="en-US" altLang="zh-TW" sz="1200" dirty="0" smtClean="0">
+                <a:latin typeface="Microsoft JhengHei" panose="020B0604030504040204" pitchFamily="34" charset="-120"/>
+                <a:cs typeface="Lantinghei SC Extralight" charset="-122"/>
+                <a:sym typeface="+mn-ea"/>
+              </a:rPr>
+              <a:t>Wiki, </a:t>
+            </a:r>
+            <a:r>
+              <a:rPr lang="en-US" altLang="zh-TW" sz="1200" dirty="0" err="1">
+                <a:latin typeface="Microsoft JhengHei" panose="020B0604030504040204" pitchFamily="34" charset="-120"/>
+                <a:cs typeface="Lantinghei SC Extralight" charset="-122"/>
+                <a:sym typeface="+mn-ea"/>
+              </a:rPr>
+              <a:t>W</a:t>
+            </a:r>
+            <a:r>
+              <a:rPr lang="en-US" altLang="zh-TW" sz="1200" dirty="0" err="1" smtClean="0">
+                <a:latin typeface="Microsoft JhengHei" panose="020B0604030504040204" pitchFamily="34" charset="-120"/>
+                <a:cs typeface="Lantinghei SC Extralight" charset="-122"/>
+                <a:sym typeface="+mn-ea"/>
+              </a:rPr>
+              <a:t>orktile</a:t>
+            </a:r>
+            <a:r>
+              <a:rPr lang="en-US" altLang="zh-TW" sz="1200" dirty="0" smtClean="0">
+                <a:latin typeface="Microsoft JhengHei" panose="020B0604030504040204" pitchFamily="34" charset="-120"/>
+                <a:cs typeface="Lantinghei SC Extralight" charset="-122"/>
+                <a:sym typeface="+mn-ea"/>
+              </a:rPr>
+              <a:t>, </a:t>
+            </a:r>
+            <a:r>
+              <a:rPr lang="en-US" altLang="zh-TW" sz="1200" dirty="0" err="1">
+                <a:latin typeface="Microsoft JhengHei" panose="020B0604030504040204" pitchFamily="34" charset="-120"/>
+                <a:cs typeface="Lantinghei SC Extralight" charset="-122"/>
+                <a:sym typeface="+mn-ea"/>
+              </a:rPr>
+              <a:t>I</a:t>
+            </a:r>
+            <a:r>
+              <a:rPr lang="en-US" altLang="zh-TW" sz="1200" dirty="0" err="1" smtClean="0">
+                <a:latin typeface="Microsoft JhengHei" panose="020B0604030504040204" pitchFamily="34" charset="-120"/>
+                <a:cs typeface="Lantinghei SC Extralight" charset="-122"/>
+                <a:sym typeface="+mn-ea"/>
+              </a:rPr>
+              <a:t>ndesign</a:t>
+            </a:r>
+            <a:r>
+              <a:rPr lang="en-US" altLang="zh-TW" sz="1200" dirty="0" smtClean="0">
+                <a:latin typeface="Microsoft JhengHei" panose="020B0604030504040204" pitchFamily="34" charset="-120"/>
+                <a:cs typeface="Lantinghei SC Extralight" charset="-122"/>
+                <a:sym typeface="+mn-ea"/>
+              </a:rPr>
+              <a:t>, </a:t>
+            </a:r>
+            <a:r>
+              <a:rPr lang="en-US" altLang="zh-TW" sz="1200" dirty="0" err="1">
+                <a:latin typeface="Microsoft JhengHei" panose="020B0604030504040204" pitchFamily="34" charset="-120"/>
+                <a:cs typeface="Lantinghei SC Extralight" charset="-122"/>
+                <a:sym typeface="+mn-ea"/>
+              </a:rPr>
+              <a:t>W</a:t>
+            </a:r>
+            <a:r>
+              <a:rPr lang="en-US" altLang="zh-TW" sz="1200" dirty="0" err="1" smtClean="0">
+                <a:latin typeface="Microsoft JhengHei" panose="020B0604030504040204" pitchFamily="34" charset="-120"/>
+                <a:cs typeface="Lantinghei SC Extralight" charset="-122"/>
+                <a:sym typeface="+mn-ea"/>
+              </a:rPr>
+              <a:t>echat</a:t>
+            </a:r>
+            <a:r>
+              <a:rPr lang="en-US" altLang="zh-TW" sz="1200" dirty="0" smtClean="0">
+                <a:latin typeface="Microsoft JhengHei" panose="020B0604030504040204" pitchFamily="34" charset="-120"/>
+                <a:cs typeface="Lantinghei SC Extralight" charset="-122"/>
+                <a:sym typeface="+mn-ea"/>
+              </a:rPr>
+              <a:t>, </a:t>
+            </a:r>
+            <a:r>
+              <a:rPr lang="en-US" altLang="zh-TW" sz="1200" dirty="0" err="1">
+                <a:latin typeface="Microsoft JhengHei" panose="020B0604030504040204" pitchFamily="34" charset="-120"/>
+                <a:cs typeface="Lantinghei SC Extralight" charset="-122"/>
+                <a:sym typeface="+mn-ea"/>
+              </a:rPr>
+              <a:t>G</a:t>
+            </a:r>
+            <a:r>
+              <a:rPr lang="en-US" altLang="zh-TW" sz="1200" dirty="0" err="1" smtClean="0">
+                <a:latin typeface="Microsoft JhengHei" panose="020B0604030504040204" pitchFamily="34" charset="-120"/>
+                <a:cs typeface="Lantinghei SC Extralight" charset="-122"/>
+                <a:sym typeface="+mn-ea"/>
+              </a:rPr>
+              <a:t>ithub</a:t>
+            </a:r>
+            <a:r>
+              <a:rPr lang="zh-TW" altLang="en-US" sz="1200" dirty="0" smtClean="0">
+                <a:latin typeface="Microsoft JhengHei" panose="020B0604030504040204" pitchFamily="34" charset="-120"/>
+                <a:cs typeface="Lantinghei SC Extralight" charset="-122"/>
+                <a:sym typeface="+mn-ea"/>
+              </a:rPr>
+              <a:t>）</a:t>
+            </a:r>
+            <a:endParaRPr lang="en-US" altLang="zh-TW" sz="1200" dirty="0">
+              <a:latin typeface="PMingLiU" panose="02020500000000000000" pitchFamily="18" charset="-120"/>
+              <a:ea typeface="PMingLiU" panose="02020500000000000000" pitchFamily="18" charset="-120"/>
+              <a:cs typeface="Lantinghei SC Extralight" charset="-122"/>
+              <a:sym typeface="+mn-ea"/>
+            </a:endParaRPr>
+          </a:p>
+          <a:p>
+            <a:pPr marL="285750" indent="-285750">
+              <a:buFont typeface="Arial" panose="020B0604020202020204" pitchFamily="34" charset="0"/>
+              <a:buChar char="•"/>
+            </a:pPr>
+            <a:r>
               <a:rPr lang="zh-TW" altLang="en-US" sz="1200" dirty="0" smtClean="0">
                 <a:latin typeface="PMingLiU" panose="02020500000000000000" pitchFamily="18" charset="-120"/>
                 <a:ea typeface="PMingLiU" panose="02020500000000000000" pitchFamily="18" charset="-120"/>
                 <a:cs typeface="Lantinghei SC Extralight" charset="-122"/>
               </a:rPr>
-              <a:t>課堂學</a:t>
-            </a:r>
-            <a:r>
-              <a:rPr lang="zh-TW" altLang="en-US" sz="1200" dirty="0">
+              <a:t>專業</a:t>
+            </a:r>
+            <a:r>
+              <a:rPr lang="zh-TW" altLang="en-US" sz="1200" dirty="0" smtClean="0">
                 <a:latin typeface="PMingLiU" panose="02020500000000000000" pitchFamily="18" charset="-120"/>
                 <a:ea typeface="PMingLiU" panose="02020500000000000000" pitchFamily="18" charset="-120"/>
                 <a:cs typeface="Lantinghei SC Extralight" charset="-122"/>
               </a:rPr>
-              <a:t>習</a:t>
+              <a:t>首席講師群精華重點指導</a:t>
+            </a:r>
+            <a:r>
+              <a:rPr lang="en-US" altLang="zh-TW" sz="1200" dirty="0" smtClean="0">
+                <a:latin typeface="PMingLiU" panose="02020500000000000000" pitchFamily="18" charset="-120"/>
+                <a:ea typeface="PMingLiU" panose="02020500000000000000" pitchFamily="18" charset="-120"/>
+                <a:cs typeface="Lantinghei SC Extralight" charset="-122"/>
+              </a:rPr>
+              <a:t>(</a:t>
+            </a:r>
+            <a:r>
+              <a:rPr lang="zh-TW" altLang="en-US" sz="1200" dirty="0" smtClean="0">
+                <a:latin typeface="PMingLiU" panose="02020500000000000000" pitchFamily="18" charset="-120"/>
+                <a:ea typeface="PMingLiU" panose="02020500000000000000" pitchFamily="18" charset="-120"/>
+                <a:cs typeface="Lantinghei SC Extralight" charset="-122"/>
+              </a:rPr>
+              <a:t>輸入腦</a:t>
+            </a:r>
+            <a:r>
+              <a:rPr lang="en-US" altLang="zh-TW" sz="1200" dirty="0" smtClean="0">
+                <a:latin typeface="PMingLiU" panose="02020500000000000000" pitchFamily="18" charset="-120"/>
+                <a:ea typeface="PMingLiU" panose="02020500000000000000" pitchFamily="18" charset="-120"/>
+                <a:cs typeface="Lantinghei SC Extralight" charset="-122"/>
+              </a:rPr>
+              <a:t>)(</a:t>
+            </a:r>
+            <a:r>
+              <a:rPr lang="zh-TW" altLang="en-US" sz="1200" dirty="0" smtClean="0">
+                <a:latin typeface="PMingLiU" panose="02020500000000000000" pitchFamily="18" charset="-120"/>
+                <a:ea typeface="PMingLiU" panose="02020500000000000000" pitchFamily="18" charset="-120"/>
+                <a:cs typeface="Lantinghei SC Extralight" charset="-122"/>
+              </a:rPr>
+              <a:t>軟</a:t>
+            </a:r>
+            <a:r>
+              <a:rPr lang="en-US" altLang="zh-TW" sz="1200" dirty="0" smtClean="0">
+                <a:latin typeface="PMingLiU" panose="02020500000000000000" pitchFamily="18" charset="-120"/>
+                <a:ea typeface="PMingLiU" panose="02020500000000000000" pitchFamily="18" charset="-120"/>
+                <a:cs typeface="Lantinghei SC Extralight" charset="-122"/>
+              </a:rPr>
+              <a:t>)</a:t>
             </a:r>
           </a:p>
           <a:p>
@@ -5579,146 +5770,12 @@
               <a:buChar char="•"/>
             </a:pPr>
             <a:r>
-              <a:rPr lang="zh-CN" altLang="zh-TW" sz="1200" dirty="0">
-                <a:latin typeface="PMingLiU" panose="02020500000000000000" pitchFamily="18" charset="-120"/>
-                <a:ea typeface="PMingLiU" panose="02020500000000000000" pitchFamily="18" charset="-120"/>
-                <a:cs typeface="Lantinghei SC Extralight" charset="-122"/>
-              </a:rPr>
-              <a:t>工具使用（</a:t>
-            </a:r>
-            <a:r>
-              <a:rPr lang="en-US" altLang="zh-TW" sz="1200" dirty="0" smtClean="0">
-                <a:latin typeface="Microsoft JhengHei" panose="020B0604030504040204" pitchFamily="34" charset="-120"/>
-                <a:cs typeface="Lantinghei SC Extralight" charset="-122"/>
-                <a:sym typeface="+mn-ea"/>
-              </a:rPr>
-              <a:t>Wiki, </a:t>
-            </a:r>
-            <a:r>
-              <a:rPr lang="en-US" altLang="zh-TW" sz="1200" dirty="0" err="1">
-                <a:latin typeface="Microsoft JhengHei" panose="020B0604030504040204" pitchFamily="34" charset="-120"/>
-                <a:cs typeface="Lantinghei SC Extralight" charset="-122"/>
-                <a:sym typeface="+mn-ea"/>
-              </a:rPr>
-              <a:t>W</a:t>
-            </a:r>
-            <a:r>
-              <a:rPr lang="en-US" altLang="zh-TW" sz="1200" dirty="0" err="1" smtClean="0">
-                <a:latin typeface="Microsoft JhengHei" panose="020B0604030504040204" pitchFamily="34" charset="-120"/>
-                <a:cs typeface="Lantinghei SC Extralight" charset="-122"/>
-                <a:sym typeface="+mn-ea"/>
-              </a:rPr>
-              <a:t>orktile</a:t>
-            </a:r>
-            <a:r>
-              <a:rPr lang="en-US" altLang="zh-TW" sz="1200" dirty="0" smtClean="0">
-                <a:latin typeface="Microsoft JhengHei" panose="020B0604030504040204" pitchFamily="34" charset="-120"/>
-                <a:cs typeface="Lantinghei SC Extralight" charset="-122"/>
-                <a:sym typeface="+mn-ea"/>
-              </a:rPr>
-              <a:t>, </a:t>
-            </a:r>
-            <a:r>
-              <a:rPr lang="en-US" altLang="zh-TW" sz="1200" dirty="0" err="1">
-                <a:latin typeface="Microsoft JhengHei" panose="020B0604030504040204" pitchFamily="34" charset="-120"/>
-                <a:cs typeface="Lantinghei SC Extralight" charset="-122"/>
-                <a:sym typeface="+mn-ea"/>
-              </a:rPr>
-              <a:t>I</a:t>
-            </a:r>
-            <a:r>
-              <a:rPr lang="en-US" altLang="zh-TW" sz="1200" dirty="0" err="1" smtClean="0">
-                <a:latin typeface="Microsoft JhengHei" panose="020B0604030504040204" pitchFamily="34" charset="-120"/>
-                <a:cs typeface="Lantinghei SC Extralight" charset="-122"/>
-                <a:sym typeface="+mn-ea"/>
-              </a:rPr>
-              <a:t>ndesign</a:t>
-            </a:r>
-            <a:r>
-              <a:rPr lang="en-US" altLang="zh-TW" sz="1200" dirty="0" smtClean="0">
-                <a:latin typeface="Microsoft JhengHei" panose="020B0604030504040204" pitchFamily="34" charset="-120"/>
-                <a:cs typeface="Lantinghei SC Extralight" charset="-122"/>
-                <a:sym typeface="+mn-ea"/>
-              </a:rPr>
-              <a:t>, </a:t>
-            </a:r>
-            <a:r>
-              <a:rPr lang="en-US" altLang="zh-TW" sz="1200" dirty="0" err="1">
-                <a:latin typeface="Microsoft JhengHei" panose="020B0604030504040204" pitchFamily="34" charset="-120"/>
-                <a:cs typeface="Lantinghei SC Extralight" charset="-122"/>
-                <a:sym typeface="+mn-ea"/>
-              </a:rPr>
-              <a:t>W</a:t>
-            </a:r>
-            <a:r>
-              <a:rPr lang="en-US" altLang="zh-TW" sz="1200" dirty="0" err="1" smtClean="0">
-                <a:latin typeface="Microsoft JhengHei" panose="020B0604030504040204" pitchFamily="34" charset="-120"/>
-                <a:cs typeface="Lantinghei SC Extralight" charset="-122"/>
-                <a:sym typeface="+mn-ea"/>
-              </a:rPr>
-              <a:t>echat</a:t>
-            </a:r>
-            <a:r>
-              <a:rPr lang="en-US" altLang="zh-TW" sz="1200" dirty="0" smtClean="0">
-                <a:latin typeface="Microsoft JhengHei" panose="020B0604030504040204" pitchFamily="34" charset="-120"/>
-                <a:cs typeface="Lantinghei SC Extralight" charset="-122"/>
-                <a:sym typeface="+mn-ea"/>
-              </a:rPr>
-              <a:t>, </a:t>
-            </a:r>
-            <a:r>
-              <a:rPr lang="en-US" altLang="zh-TW" sz="1200" dirty="0" err="1">
-                <a:latin typeface="Microsoft JhengHei" panose="020B0604030504040204" pitchFamily="34" charset="-120"/>
-                <a:cs typeface="Lantinghei SC Extralight" charset="-122"/>
-                <a:sym typeface="+mn-ea"/>
-              </a:rPr>
-              <a:t>G</a:t>
-            </a:r>
-            <a:r>
-              <a:rPr lang="en-US" altLang="zh-TW" sz="1200" dirty="0" err="1" smtClean="0">
-                <a:latin typeface="Microsoft JhengHei" panose="020B0604030504040204" pitchFamily="34" charset="-120"/>
-                <a:cs typeface="Lantinghei SC Extralight" charset="-122"/>
-                <a:sym typeface="+mn-ea"/>
-              </a:rPr>
-              <a:t>ithub</a:t>
-            </a:r>
-            <a:r>
-              <a:rPr lang="zh-TW" altLang="en-US" sz="1200" dirty="0" smtClean="0">
-                <a:latin typeface="Microsoft JhengHei" panose="020B0604030504040204" pitchFamily="34" charset="-120"/>
-                <a:cs typeface="Lantinghei SC Extralight" charset="-122"/>
-                <a:sym typeface="+mn-ea"/>
-              </a:rPr>
-              <a:t>）</a:t>
-            </a:r>
-            <a:endParaRPr lang="zh-CN" altLang="zh-TW" sz="1200" dirty="0">
-              <a:latin typeface="PMingLiU" panose="02020500000000000000" pitchFamily="18" charset="-120"/>
-              <a:ea typeface="PMingLiU" panose="02020500000000000000" pitchFamily="18" charset="-120"/>
-              <a:cs typeface="Lantinghei SC Extralight" charset="-122"/>
-            </a:endParaRPr>
-          </a:p>
-          <a:p>
-            <a:pPr marL="471805" lvl="1" indent="-128905">
-              <a:lnSpc>
-                <a:spcPct val="120000"/>
-              </a:lnSpc>
-              <a:buFont typeface="Arial" panose="020B0604020202020204" pitchFamily="34" charset="0"/>
-              <a:buChar char="•"/>
-            </a:pPr>
-            <a:r>
               <a:rPr lang="zh-TW" altLang="en-US" sz="1200" dirty="0" smtClean="0">
                 <a:latin typeface="PMingLiU" panose="02020500000000000000" pitchFamily="18" charset="-120"/>
                 <a:ea typeface="PMingLiU" panose="02020500000000000000" pitchFamily="18" charset="-120"/>
                 <a:cs typeface="Lantinghei SC Extralight" charset="-122"/>
               </a:rPr>
-              <a:t>專業首席講師群精華重點指導</a:t>
-            </a:r>
-            <a:r>
-              <a:rPr lang="en-US" altLang="zh-TW" sz="1200" dirty="0" smtClean="0">
-                <a:latin typeface="PMingLiU" panose="02020500000000000000" pitchFamily="18" charset="-120"/>
-                <a:ea typeface="PMingLiU" panose="02020500000000000000" pitchFamily="18" charset="-120"/>
-                <a:cs typeface="Lantinghei SC Extralight" charset="-122"/>
-              </a:rPr>
-              <a:t>(</a:t>
+              <a:t>北京</a:t>
             </a:r>
             <a:r>
               <a:rPr lang="zh-TW" altLang="en-US" sz="1200" dirty="0" smtClean="0">
@@ -5726,48 +5783,7 @@
                 <a:ea typeface="PMingLiU" panose="02020500000000000000" pitchFamily="18" charset="-120"/>
                 <a:cs typeface="Lantinghei SC Extralight" charset="-122"/>
               </a:rPr>
-              <a:t>輸入腦</a:t>
-            </a:r>
-            <a:r>
-              <a:rPr lang="en-US" altLang="zh-TW" sz="1200" dirty="0" smtClean="0">
-                <a:latin typeface="PMingLiU" panose="02020500000000000000" pitchFamily="18" charset="-120"/>
-                <a:ea typeface="PMingLiU" panose="02020500000000000000" pitchFamily="18" charset="-120"/>
-                <a:cs typeface="Lantinghei SC Extralight" charset="-122"/>
-              </a:rPr>
-              <a:t>)(</a:t>
-            </a:r>
-            <a:r>
-              <a:rPr lang="zh-TW" altLang="en-US" sz="1200" dirty="0" smtClean="0">
-                <a:latin typeface="PMingLiU" panose="02020500000000000000" pitchFamily="18" charset="-120"/>
-                <a:ea typeface="PMingLiU" panose="02020500000000000000" pitchFamily="18" charset="-120"/>
-                <a:cs typeface="Lantinghei SC Extralight" charset="-122"/>
-              </a:rPr>
-              <a:t>軟</a:t>
-            </a:r>
-            <a:r>
-              <a:rPr lang="en-US" altLang="zh-TW" sz="1200" dirty="0" smtClean="0">
-                <a:latin typeface="PMingLiU" panose="02020500000000000000" pitchFamily="18" charset="-120"/>
-                <a:ea typeface="PMingLiU" panose="02020500000000000000" pitchFamily="18" charset="-120"/>
-                <a:cs typeface="Lantinghei SC Extralight" charset="-122"/>
-              </a:rPr>
-              <a:t>)</a:t>
-            </a:r>
-          </a:p>
-          <a:p>
-            <a:pPr marL="471805" lvl="1" indent="-128905">
-              <a:lnSpc>
-                <a:spcPct val="120000"/>
-              </a:lnSpc>
-              <a:buFont typeface="Arial" panose="020B0604020202020204" pitchFamily="34" charset="0"/>
-              <a:buChar char="•"/>
-            </a:pPr>
-            <a:r>
-              <a:rPr lang="zh-TW" altLang="en-US" sz="1200" dirty="0" smtClean="0">
-                <a:latin typeface="PMingLiU" panose="02020500000000000000" pitchFamily="18" charset="-120"/>
-                <a:ea typeface="PMingLiU" panose="02020500000000000000" pitchFamily="18" charset="-120"/>
-                <a:cs typeface="Lantinghei SC Extralight" charset="-122"/>
-              </a:rPr>
-              <a:t>北京清華大學校園與北京中關村創業大街參訪</a:t>
+              <a:t>清華大學校園與北京中關村創業大街參訪</a:t>
             </a:r>
             <a:r>
               <a:rPr lang="en-US" altLang="zh-TW" sz="1200" dirty="0" smtClean="0">
@@ -5836,11 +5852,6 @@
               </a:rPr>
               <a:t>)</a:t>
             </a:r>
-            <a:endParaRPr lang="en-US" altLang="zh-TW" sz="1200" dirty="0" smtClean="0">
-              <a:latin typeface="PMingLiU" panose="02020500000000000000" pitchFamily="18" charset="-120"/>
-              <a:ea typeface="PMingLiU" panose="02020500000000000000" pitchFamily="18" charset="-120"/>
-              <a:cs typeface="Lantinghei SC Extralight" charset="-122"/>
-            </a:endParaRPr>
           </a:p>
           <a:p>
             <a:pPr marL="471805" lvl="1" indent="-128905">
@@ -6047,42 +6058,21 @@
                 <a:ea typeface="PMingLiU" charset="-120"/>
                 <a:cs typeface="PMingLiU" charset="-120"/>
               </a:rPr>
-              <a:t>页</a:t>
-            </a:r>
+              <a:t>页面</a:t>
+            </a:r>
+          </a:p>
+          <a:p>
+            <a:pPr marL="285750" indent="-285750">
+              <a:buFont typeface="Arial" panose="020B0604020202020204" pitchFamily="34" charset="0"/>
+              <a:buChar char="•"/>
+            </a:pPr>
             <a:r>
               <a:rPr kumimoji="1" lang="zh-CN" altLang="en-US" sz="1200" dirty="0" smtClean="0">
                 <a:latin typeface="PMingLiU" charset="-120"/>
                 <a:ea typeface="PMingLiU" charset="-120"/>
                 <a:cs typeface="PMingLiU" charset="-120"/>
               </a:rPr>
-              <a:t>面</a:t>
-            </a:r>
-            <a:endParaRPr kumimoji="1" lang="zh-CN" altLang="en-US" sz="1200" dirty="0" smtClean="0">
-              <a:latin typeface="PMingLiU" charset="-120"/>
-              <a:ea typeface="PMingLiU" charset="-120"/>
-              <a:cs typeface="PMingLiU" charset="-120"/>
-            </a:endParaRPr>
-          </a:p>
-          <a:p>
-            <a:pPr marL="285750" indent="-285750">
-              <a:buFont typeface="Arial" panose="020B0604020202020204" pitchFamily="34" charset="0"/>
-              <a:buChar char="•"/>
-            </a:pPr>
-            <a:r>
-              <a:rPr kumimoji="1" lang="zh-CN" altLang="en-US" sz="1200" dirty="0" smtClean="0">
-                <a:latin typeface="PMingLiU" charset="-120"/>
-                <a:ea typeface="PMingLiU" charset="-120"/>
-                <a:cs typeface="PMingLiU" charset="-120"/>
-              </a:rPr>
-              <a:t>一份关于中国线上美妆广告方面的文献收集文</a:t>
-            </a:r>
-            <a:r>
-              <a:rPr kumimoji="1" lang="zh-CN" altLang="en-US" sz="1200" dirty="0" smtClean="0">
-                <a:latin typeface="PMingLiU" charset="-120"/>
-                <a:ea typeface="PMingLiU" charset="-120"/>
-                <a:cs typeface="PMingLiU" charset="-120"/>
-              </a:rPr>
-              <a:t>档</a:t>
+              <a:t>一份关于中国线上美妆广告方面的文献收集文档</a:t>
             </a:r>
             <a:r>
               <a:rPr kumimoji="1" lang="en-US" altLang="zh-TW" sz="1200" dirty="0">
